--- a/doc/08.善举.pptx
+++ b/doc/08.善举.pptx
@@ -11047,7 +11047,7 @@
         </p:nvSpPr>
         <p:spPr>
           <a:xfrm>
-            <a:off x="6645687" y="5843113"/>
+            <a:off x="5855457" y="5736433"/>
             <a:ext cx="1080000" cy="576000"/>
           </a:xfrm>
           <a:prstGeom prst="roundRect">
@@ -11110,7 +11110,7 @@
         </p:nvSpPr>
         <p:spPr>
           <a:xfrm>
-            <a:off x="8619188" y="5807113"/>
+            <a:off x="7720028" y="5700433"/>
             <a:ext cx="2016000" cy="648000"/>
           </a:xfrm>
           <a:prstGeom prst="roundRect">
@@ -11555,7 +11555,7 @@
         </p:nvSpPr>
         <p:spPr>
           <a:xfrm>
-            <a:off x="3093398" y="4141597"/>
+            <a:off x="2544758" y="4141597"/>
             <a:ext cx="2016000" cy="648000"/>
           </a:xfrm>
           <a:prstGeom prst="roundRect">
@@ -11688,13 +11688,14 @@
           </p:cNvPr>
           <p:cNvCxnSpPr>
             <a:cxnSpLocks/>
+            <a:endCxn id="75" idx="1"/>
           </p:cNvCxnSpPr>
           <p:nvPr/>
         </p:nvCxnSpPr>
         <p:spPr>
           <a:xfrm>
             <a:off x="1792379" y="4465597"/>
-            <a:ext cx="1301019" cy="0"/>
+            <a:ext cx="752379" cy="0"/>
           </a:xfrm>
           <a:prstGeom prst="straightConnector1">
             <a:avLst/>
@@ -11739,8 +11740,8 @@
         </p:nvCxnSpPr>
         <p:spPr>
           <a:xfrm>
-            <a:off x="7725687" y="6131113"/>
-            <a:ext cx="893501" cy="0"/>
+            <a:off x="6935457" y="6024433"/>
+            <a:ext cx="784571" cy="0"/>
           </a:xfrm>
           <a:prstGeom prst="straightConnector1">
             <a:avLst/>
@@ -11831,8 +11832,8 @@
         </p:nvCxnSpPr>
         <p:spPr>
           <a:xfrm flipV="1">
-            <a:off x="5109398" y="3251527"/>
-            <a:ext cx="1536289" cy="1214070"/>
+            <a:off x="4560758" y="3495367"/>
+            <a:ext cx="1185769" cy="970230"/>
           </a:xfrm>
           <a:prstGeom prst="straightConnector1">
             <a:avLst/>
@@ -11877,8 +11878,8 @@
         </p:nvCxnSpPr>
         <p:spPr>
           <a:xfrm>
-            <a:off x="5109398" y="4465597"/>
-            <a:ext cx="1536289" cy="1665516"/>
+            <a:off x="4560758" y="4465597"/>
+            <a:ext cx="1294699" cy="1558836"/>
           </a:xfrm>
           <a:prstGeom prst="straightConnector1">
             <a:avLst/>
@@ -11919,7 +11920,7 @@
         </p:nvSpPr>
         <p:spPr>
           <a:xfrm>
-            <a:off x="6754617" y="3036255"/>
+            <a:off x="5855457" y="3280095"/>
             <a:ext cx="1728000" cy="432000"/>
           </a:xfrm>
           <a:prstGeom prst="roundRect">
@@ -11991,7 +11992,7 @@
         </p:nvSpPr>
         <p:spPr>
           <a:xfrm>
-            <a:off x="8603737" y="3036255"/>
+            <a:off x="7704577" y="3280095"/>
             <a:ext cx="1728000" cy="432000"/>
           </a:xfrm>
           <a:prstGeom prst="roundRect">
@@ -12063,7 +12064,7 @@
         </p:nvSpPr>
         <p:spPr>
           <a:xfrm>
-            <a:off x="6754617" y="3562509"/>
+            <a:off x="5855457" y="3806349"/>
             <a:ext cx="1728000" cy="432000"/>
           </a:xfrm>
           <a:prstGeom prst="roundRect">
@@ -12135,7 +12136,7 @@
         </p:nvSpPr>
         <p:spPr>
           <a:xfrm>
-            <a:off x="8603737" y="3558103"/>
+            <a:off x="7704577" y="3801943"/>
             <a:ext cx="1728000" cy="432000"/>
           </a:xfrm>
           <a:prstGeom prst="roundRect">
@@ -12207,7 +12208,7 @@
         </p:nvSpPr>
         <p:spPr>
           <a:xfrm>
-            <a:off x="6754617" y="2519858"/>
+            <a:off x="5855457" y="2763698"/>
             <a:ext cx="1728000" cy="432000"/>
           </a:xfrm>
           <a:prstGeom prst="roundRect">
@@ -12279,7 +12280,7 @@
         </p:nvSpPr>
         <p:spPr>
           <a:xfrm>
-            <a:off x="6645687" y="2418769"/>
+            <a:off x="5746527" y="2662609"/>
             <a:ext cx="3785804" cy="1665516"/>
           </a:xfrm>
           <a:prstGeom prst="roundRect">
@@ -12397,10 +12398,10 @@
       </p:sp>
       <p:sp>
         <p:nvSpPr>
-          <p:cNvPr id="35" name="矩形: 圆角 34">
-            <a:extLst>
-              <a:ext uri="{FF2B5EF4-FFF2-40B4-BE49-F238E27FC236}">
-                <a16:creationId xmlns:a16="http://schemas.microsoft.com/office/drawing/2014/main" id="{A5A765ED-C70C-4D24-883D-CB144C16C98E}"/>
+          <p:cNvPr id="28" name="矩形: 圆角 27">
+            <a:extLst>
+              <a:ext uri="{FF2B5EF4-FFF2-40B4-BE49-F238E27FC236}">
+                <a16:creationId xmlns:a16="http://schemas.microsoft.com/office/drawing/2014/main" id="{5B639A76-D510-4320-B5E9-0E25BFCBE0A0}"/>
               </a:ext>
             </a:extLst>
           </p:cNvPr>
@@ -12409,7 +12410,7 @@
         </p:nvSpPr>
         <p:spPr>
           <a:xfrm>
-            <a:off x="8853162" y="4950586"/>
+            <a:off x="9932372" y="4890434"/>
             <a:ext cx="1728000" cy="396000"/>
           </a:xfrm>
           <a:prstGeom prst="roundRect">
@@ -12462,10 +12463,10 @@
       </p:sp>
       <p:sp>
         <p:nvSpPr>
-          <p:cNvPr id="38" name="矩形: 圆角 37">
-            <a:extLst>
-              <a:ext uri="{FF2B5EF4-FFF2-40B4-BE49-F238E27FC236}">
-                <a16:creationId xmlns:a16="http://schemas.microsoft.com/office/drawing/2014/main" id="{31E5104D-4E64-4C73-8546-C0DB71308731}"/>
+          <p:cNvPr id="29" name="矩形: 圆角 28">
+            <a:extLst>
+              <a:ext uri="{FF2B5EF4-FFF2-40B4-BE49-F238E27FC236}">
+                <a16:creationId xmlns:a16="http://schemas.microsoft.com/office/drawing/2014/main" id="{FFF1741C-08C5-4AB6-952F-B63C93DCABEE}"/>
               </a:ext>
             </a:extLst>
           </p:cNvPr>
@@ -12474,7 +12475,7 @@
         </p:nvSpPr>
         <p:spPr>
           <a:xfrm>
-            <a:off x="6645687" y="4860586"/>
+            <a:off x="5855457" y="4800434"/>
             <a:ext cx="1728000" cy="576000"/>
           </a:xfrm>
           <a:prstGeom prst="roundRect">
@@ -12528,24 +12529,24 @@
       </p:sp>
       <p:cxnSp>
         <p:nvCxnSpPr>
-          <p:cNvPr id="40" name="直接箭头连接符 39">
-            <a:extLst>
-              <a:ext uri="{FF2B5EF4-FFF2-40B4-BE49-F238E27FC236}">
-                <a16:creationId xmlns:a16="http://schemas.microsoft.com/office/drawing/2014/main" id="{A559884D-1F93-4C2B-9E0C-5AD219EA63A7}"/>
+          <p:cNvPr id="30" name="直接箭头连接符 29">
+            <a:extLst>
+              <a:ext uri="{FF2B5EF4-FFF2-40B4-BE49-F238E27FC236}">
+                <a16:creationId xmlns:a16="http://schemas.microsoft.com/office/drawing/2014/main" id="{7038401C-13DC-4C0F-B31E-C3115AE6582C}"/>
               </a:ext>
             </a:extLst>
           </p:cNvPr>
           <p:cNvCxnSpPr>
             <a:cxnSpLocks/>
-            <a:stCxn id="35" idx="1"/>
-            <a:endCxn id="38" idx="3"/>
+            <a:stCxn id="28" idx="1"/>
+            <a:endCxn id="31" idx="3"/>
           </p:cNvCxnSpPr>
           <p:nvPr/>
         </p:nvCxnSpPr>
         <p:spPr>
           <a:xfrm flipH="1">
-            <a:off x="8373687" y="5148586"/>
-            <a:ext cx="479475" cy="0"/>
+            <a:off x="9462878" y="5088434"/>
+            <a:ext cx="469494" cy="0"/>
           </a:xfrm>
           <a:prstGeom prst="straightConnector1">
             <a:avLst/>
@@ -12572,33 +12573,169 @@
           </a:fontRef>
         </p:style>
       </p:cxnSp>
+      <p:sp>
+        <p:nvSpPr>
+          <p:cNvPr id="31" name="矩形: 圆角 30">
+            <a:extLst>
+              <a:ext uri="{FF2B5EF4-FFF2-40B4-BE49-F238E27FC236}">
+                <a16:creationId xmlns:a16="http://schemas.microsoft.com/office/drawing/2014/main" id="{B4F64EE9-CF1C-47FC-8549-09A79F757CEC}"/>
+              </a:ext>
+            </a:extLst>
+          </p:cNvPr>
+          <p:cNvSpPr/>
+          <p:nvPr/>
+        </p:nvSpPr>
+        <p:spPr>
+          <a:xfrm>
+            <a:off x="7950878" y="4764434"/>
+            <a:ext cx="1512000" cy="648000"/>
+          </a:xfrm>
+          <a:prstGeom prst="roundRect">
+            <a:avLst/>
+          </a:prstGeom>
+          <a:solidFill>
+            <a:srgbClr val="00B050"/>
+          </a:solidFill>
+          <a:ln>
+            <a:solidFill>
+              <a:schemeClr val="tx1"/>
+            </a:solidFill>
+          </a:ln>
+        </p:spPr>
+        <p:style>
+          <a:lnRef idx="2">
+            <a:schemeClr val="accent1">
+              <a:shade val="50000"/>
+            </a:schemeClr>
+          </a:lnRef>
+          <a:fillRef idx="1">
+            <a:schemeClr val="accent1"/>
+          </a:fillRef>
+          <a:effectRef idx="0">
+            <a:schemeClr val="accent1"/>
+          </a:effectRef>
+          <a:fontRef idx="minor">
+            <a:schemeClr val="lt1"/>
+          </a:fontRef>
+        </p:style>
+        <p:txBody>
+          <a:bodyPr wrap="none" lIns="36000" tIns="36000" rIns="36000" bIns="36000" rtlCol="0" anchor="ctr" anchorCtr="0"/>
+          <a:lstStyle/>
+          <a:p>
+            <a:pPr algn="ctr"/>
+            <a:r>
+              <a:rPr lang="zh-CN" altLang="en-US" sz="1600" b="1">
+                <a:solidFill>
+                  <a:schemeClr val="tx1"/>
+                </a:solidFill>
+                <a:latin typeface="微软雅黑" panose="020B0503020204020204" pitchFamily="34" charset="-122"/>
+                <a:ea typeface="微软雅黑" panose="020B0503020204020204" pitchFamily="34" charset="-122"/>
+              </a:rPr>
+              <a:t>查询提案</a:t>
+            </a:r>
+            <a:endParaRPr lang="en-US" altLang="zh-CN" sz="1600" b="1">
+              <a:solidFill>
+                <a:schemeClr val="tx1"/>
+              </a:solidFill>
+              <a:latin typeface="微软雅黑" panose="020B0503020204020204" pitchFamily="34" charset="-122"/>
+              <a:ea typeface="微软雅黑" panose="020B0503020204020204" pitchFamily="34" charset="-122"/>
+            </a:endParaRPr>
+          </a:p>
+          <a:p>
+            <a:pPr algn="ctr"/>
+            <a:r>
+              <a:rPr lang="en-US" altLang="zh-CN" sz="1600" b="1">
+                <a:solidFill>
+                  <a:schemeClr val="tx1"/>
+                </a:solidFill>
+                <a:latin typeface="微软雅黑" panose="020B0503020204020204" pitchFamily="34" charset="-122"/>
+                <a:ea typeface="微软雅黑" panose="020B0503020204020204" pitchFamily="34" charset="-122"/>
+              </a:rPr>
+              <a:t>find_proposal</a:t>
+            </a:r>
+            <a:endParaRPr lang="zh-CN" altLang="en-US" sz="1600" b="1">
+              <a:solidFill>
+                <a:schemeClr val="tx1"/>
+              </a:solidFill>
+              <a:latin typeface="微软雅黑" panose="020B0503020204020204" pitchFamily="34" charset="-122"/>
+              <a:ea typeface="微软雅黑" panose="020B0503020204020204" pitchFamily="34" charset="-122"/>
+            </a:endParaRPr>
+          </a:p>
+        </p:txBody>
+      </p:sp>
       <p:cxnSp>
         <p:nvCxnSpPr>
-          <p:cNvPr id="43" name="直接箭头连接符 42">
-            <a:extLst>
-              <a:ext uri="{FF2B5EF4-FFF2-40B4-BE49-F238E27FC236}">
-                <a16:creationId xmlns:a16="http://schemas.microsoft.com/office/drawing/2014/main" id="{BD30E64C-99D6-4A31-8E21-C9CA1C46102F}"/>
+          <p:cNvPr id="32" name="直接箭头连接符 31">
+            <a:extLst>
+              <a:ext uri="{FF2B5EF4-FFF2-40B4-BE49-F238E27FC236}">
+                <a16:creationId xmlns:a16="http://schemas.microsoft.com/office/drawing/2014/main" id="{62112E12-5DDC-4517-9F03-965FD923DC0F}"/>
               </a:ext>
             </a:extLst>
           </p:cNvPr>
           <p:cNvCxnSpPr>
             <a:cxnSpLocks/>
-            <a:stCxn id="38" idx="1"/>
-            <a:endCxn id="75" idx="3"/>
+            <a:stCxn id="29" idx="3"/>
+            <a:endCxn id="31" idx="1"/>
           </p:cNvCxnSpPr>
           <p:nvPr/>
         </p:nvCxnSpPr>
         <p:spPr>
-          <a:xfrm flipH="1" flipV="1">
-            <a:off x="5109398" y="4465597"/>
-            <a:ext cx="1536289" cy="682989"/>
+          <a:xfrm>
+            <a:off x="7583457" y="5088434"/>
+            <a:ext cx="367421" cy="0"/>
           </a:xfrm>
           <a:prstGeom prst="straightConnector1">
             <a:avLst/>
           </a:prstGeom>
-          <a:ln w="57150">
+          <a:ln w="31750">
             <a:solidFill>
-              <a:srgbClr val="FF0000"/>
+              <a:schemeClr val="tx1"/>
+            </a:solidFill>
+            <a:tailEnd type="triangle"/>
+          </a:ln>
+        </p:spPr>
+        <p:style>
+          <a:lnRef idx="1">
+            <a:schemeClr val="accent1"/>
+          </a:lnRef>
+          <a:fillRef idx="0">
+            <a:schemeClr val="accent1"/>
+          </a:fillRef>
+          <a:effectRef idx="0">
+            <a:schemeClr val="accent1"/>
+          </a:effectRef>
+          <a:fontRef idx="minor">
+            <a:schemeClr val="tx1"/>
+          </a:fontRef>
+        </p:style>
+      </p:cxnSp>
+      <p:cxnSp>
+        <p:nvCxnSpPr>
+          <p:cNvPr id="36" name="直接箭头连接符 35">
+            <a:extLst>
+              <a:ext uri="{FF2B5EF4-FFF2-40B4-BE49-F238E27FC236}">
+                <a16:creationId xmlns:a16="http://schemas.microsoft.com/office/drawing/2014/main" id="{72419C28-6BF1-4678-911F-D39ADD1F10B2}"/>
+              </a:ext>
+            </a:extLst>
+          </p:cNvPr>
+          <p:cNvCxnSpPr>
+            <a:cxnSpLocks/>
+            <a:stCxn id="75" idx="3"/>
+            <a:endCxn id="29" idx="1"/>
+          </p:cNvCxnSpPr>
+          <p:nvPr/>
+        </p:nvCxnSpPr>
+        <p:spPr>
+          <a:xfrm>
+            <a:off x="4560758" y="4465597"/>
+            <a:ext cx="1294699" cy="622837"/>
+          </a:xfrm>
+          <a:prstGeom prst="straightConnector1">
+            <a:avLst/>
+          </a:prstGeom>
+          <a:ln w="31750">
+            <a:solidFill>
+              <a:schemeClr val="tx1"/>
             </a:solidFill>
             <a:tailEnd type="triangle"/>
           </a:ln>
@@ -14333,7 +14470,7 @@
         <p:spPr>
           <a:xfrm>
             <a:off x="712379" y="1431948"/>
-            <a:ext cx="1728000" cy="576000"/>
+            <a:ext cx="1728000" cy="648000"/>
           </a:xfrm>
           <a:prstGeom prst="roundRect">
             <a:avLst/>
@@ -14424,8 +14561,8 @@
         </p:nvSpPr>
         <p:spPr>
           <a:xfrm>
-            <a:off x="712379" y="2007947"/>
-            <a:ext cx="2968370" cy="1591775"/>
+            <a:off x="712379" y="2079949"/>
+            <a:ext cx="2968370" cy="1484346"/>
           </a:xfrm>
           <a:prstGeom prst="roundRect">
             <a:avLst>
@@ -14619,7 +14756,7 @@
         <p:spPr>
           <a:xfrm>
             <a:off x="4217579" y="1431948"/>
-            <a:ext cx="1728000" cy="576000"/>
+            <a:ext cx="1728000" cy="648000"/>
           </a:xfrm>
           <a:prstGeom prst="roundRect">
             <a:avLst/>
@@ -14710,7 +14847,7 @@
         </p:nvSpPr>
         <p:spPr>
           <a:xfrm>
-            <a:off x="4217580" y="2007947"/>
+            <a:off x="4217578" y="2079948"/>
             <a:ext cx="1728000" cy="816267"/>
           </a:xfrm>
           <a:prstGeom prst="roundRect">
@@ -14812,7 +14949,7 @@
         <p:spPr>
           <a:xfrm>
             <a:off x="7722779" y="1431948"/>
-            <a:ext cx="1728000" cy="576000"/>
+            <a:ext cx="1728000" cy="648000"/>
           </a:xfrm>
           <a:prstGeom prst="roundRect">
             <a:avLst/>
@@ -14903,7 +15040,7 @@
         </p:nvSpPr>
         <p:spPr>
           <a:xfrm>
-            <a:off x="7722780" y="2007948"/>
+            <a:off x="7722780" y="2079948"/>
             <a:ext cx="1727999" cy="978320"/>
           </a:xfrm>
           <a:prstGeom prst="roundRect">
